--- a/format-encodings/slide_presentations/.hidden/conversion-between-bases.pptx
+++ b/format-encodings/slide_presentations/.hidden/conversion-between-bases.pptx
@@ -10464,7 +10464,7 @@
             </a:pPr>
             <a:r>
               <a:rPr lang="en" dirty="0"/>
-              <a:t>print v</a:t>
+              <a:t>emit v</a:t>
             </a:r>
             <a:br>
               <a:rPr lang="en" dirty="0"/>
@@ -23330,7 +23330,7 @@
         </p:spPr>
         <p:txBody>
           <a:bodyPr spcFirstLastPara="1" wrap="square" lIns="91425" tIns="91425" rIns="91425" bIns="91425" anchor="t" anchorCtr="0">
-            <a:normAutofit/>
+            <a:normAutofit lnSpcReduction="10000"/>
           </a:bodyPr>
           <a:lstStyle/>
           <a:p>
@@ -23345,14 +23345,30 @@
               <a:buAutoNum type="arabicPeriod"/>
             </a:pPr>
             <a:r>
-              <a:rPr lang="en"/>
+              <a:rPr lang="en" dirty="0"/>
+              <a:t>Convert the base 10 number into base 2</a:t>
+            </a:r>
+          </a:p>
+          <a:p>
+            <a:pPr marL="457200" lvl="0" indent="-317500" algn="l" rtl="0">
+              <a:spcBef>
+                <a:spcPts val="0"/>
+              </a:spcBef>
+              <a:spcAft>
+                <a:spcPts val="0"/>
+              </a:spcAft>
+              <a:buSzPts val="1400"/>
+              <a:buAutoNum type="arabicPeriod"/>
+            </a:pPr>
+            <a:r>
+              <a:rPr lang="en" dirty="0"/>
               <a:t>Split the number at the radix point:  - </a:t>
             </a:r>
             <a:r>
-              <a:rPr lang="en" i="1"/>
+              <a:rPr lang="en" i="1" dirty="0"/>
               <a:t>39 . fractional</a:t>
             </a:r>
-            <a:endParaRPr i="1"/>
+            <a:endParaRPr i="1" dirty="0"/>
           </a:p>
           <a:p>
             <a:pPr marL="0" lvl="0" indent="0" algn="l" rtl="0">
@@ -23364,7 +23380,7 @@
               </a:spcAft>
               <a:buNone/>
             </a:pPr>
-            <a:endParaRPr i="1"/>
+            <a:endParaRPr i="1" dirty="0"/>
           </a:p>
           <a:p>
             <a:pPr marL="0" lvl="0" indent="0" algn="l" rtl="0">
@@ -23376,7 +23392,7 @@
               </a:spcAft>
               <a:buNone/>
             </a:pPr>
-            <a:endParaRPr i="1"/>
+            <a:endParaRPr i="1" dirty="0"/>
           </a:p>
           <a:p>
             <a:pPr marL="0" lvl="0" indent="0" algn="l" rtl="0">
@@ -23388,7 +23404,7 @@
               </a:spcAft>
               <a:buNone/>
             </a:pPr>
-            <a:endParaRPr i="1"/>
+            <a:endParaRPr i="1" dirty="0"/>
           </a:p>
           <a:p>
             <a:pPr marL="0" lvl="0" indent="0" algn="l" rtl="0">
@@ -23400,7 +23416,7 @@
               </a:spcAft>
               <a:buNone/>
             </a:pPr>
-            <a:endParaRPr i="1"/>
+            <a:endParaRPr i="1" dirty="0"/>
           </a:p>
           <a:p>
             <a:pPr marL="0" lvl="0" indent="0" algn="l" rtl="0">
@@ -23412,7 +23428,7 @@
               </a:spcAft>
               <a:buNone/>
             </a:pPr>
-            <a:endParaRPr i="1"/>
+            <a:endParaRPr i="1" dirty="0"/>
           </a:p>
           <a:p>
             <a:pPr marL="0" lvl="0" indent="0" algn="l" rtl="0">
@@ -23424,7 +23440,7 @@
               </a:spcAft>
               <a:buNone/>
             </a:pPr>
-            <a:endParaRPr i="1"/>
+            <a:endParaRPr i="1" dirty="0"/>
           </a:p>
           <a:p>
             <a:pPr marL="457200" lvl="0" indent="-317500" algn="l" rtl="0">
@@ -23438,10 +23454,10 @@
               <a:buAutoNum type="arabicPeriod" startAt="4"/>
             </a:pPr>
             <a:r>
-              <a:rPr lang="en"/>
+              <a:rPr lang="en" dirty="0"/>
               <a:t>Put the two pieces together</a:t>
             </a:r>
-            <a:endParaRPr/>
+            <a:endParaRPr dirty="0"/>
           </a:p>
         </p:txBody>
       </p:sp>
@@ -23481,7 +23497,7 @@
             </a:pPr>
             <a:r>
               <a:rPr lang="en" dirty="0"/>
-              <a:t>Example: - 39.234				        Whole Part</a:t>
+              <a:t>Example: - 39.234 				        Whole Part</a:t>
             </a:r>
             <a:endParaRPr dirty="0"/>
           </a:p>
@@ -24166,10 +24182,20 @@
         </p:spPr>
         <p:txBody>
           <a:bodyPr spcFirstLastPara="1" wrap="square" lIns="91425" tIns="91425" rIns="91425" bIns="91425" anchor="t" anchorCtr="0">
-            <a:normAutofit/>
+            <a:normAutofit lnSpcReduction="10000"/>
           </a:bodyPr>
           <a:lstStyle/>
           <a:p>
+            <a:pPr>
+              <a:buFont typeface="Arial"/>
+              <a:buAutoNum type="arabicPeriod"/>
+            </a:pPr>
+            <a:r>
+              <a:rPr lang="en" dirty="0"/>
+              <a:t>Convert the base 10 number into base 2</a:t>
+            </a:r>
+          </a:p>
+          <a:p>
             <a:pPr marL="457200" lvl="0" indent="-317500" algn="l" rtl="0">
               <a:spcBef>
                 <a:spcPts val="0"/>
@@ -24181,14 +24207,14 @@
               <a:buAutoNum type="arabicPeriod"/>
             </a:pPr>
             <a:r>
-              <a:rPr lang="en"/>
+              <a:rPr lang="en" dirty="0"/>
               <a:t>Split the number at the radix point:  </a:t>
             </a:r>
             <a:r>
-              <a:rPr lang="en" i="1"/>
+              <a:rPr lang="en" i="1" dirty="0"/>
               <a:t>whole . 234</a:t>
             </a:r>
-            <a:endParaRPr i="1"/>
+            <a:endParaRPr i="1" dirty="0"/>
           </a:p>
           <a:p>
             <a:pPr marL="0" lvl="0" indent="0" algn="l" rtl="0">
@@ -24200,7 +24226,7 @@
               </a:spcAft>
               <a:buNone/>
             </a:pPr>
-            <a:endParaRPr i="1"/>
+            <a:endParaRPr i="1" dirty="0"/>
           </a:p>
           <a:p>
             <a:pPr marL="0" lvl="0" indent="0" algn="l" rtl="0">
@@ -24212,7 +24238,7 @@
               </a:spcAft>
               <a:buNone/>
             </a:pPr>
-            <a:endParaRPr i="1"/>
+            <a:endParaRPr i="1" dirty="0"/>
           </a:p>
           <a:p>
             <a:pPr marL="0" lvl="0" indent="0" algn="l" rtl="0">
@@ -24224,7 +24250,7 @@
               </a:spcAft>
               <a:buNone/>
             </a:pPr>
-            <a:endParaRPr i="1"/>
+            <a:endParaRPr i="1" dirty="0"/>
           </a:p>
           <a:p>
             <a:pPr marL="0" lvl="0" indent="0" algn="l" rtl="0">
@@ -24236,7 +24262,7 @@
               </a:spcAft>
               <a:buNone/>
             </a:pPr>
-            <a:endParaRPr i="1"/>
+            <a:endParaRPr i="1" dirty="0"/>
           </a:p>
           <a:p>
             <a:pPr marL="0" lvl="0" indent="0" algn="l" rtl="0">
@@ -24248,7 +24274,7 @@
               </a:spcAft>
               <a:buNone/>
             </a:pPr>
-            <a:endParaRPr i="1"/>
+            <a:endParaRPr i="1" dirty="0"/>
           </a:p>
           <a:p>
             <a:pPr marL="0" lvl="0" indent="0" algn="l" rtl="0">
@@ -24260,7 +24286,7 @@
               </a:spcAft>
               <a:buNone/>
             </a:pPr>
-            <a:endParaRPr i="1"/>
+            <a:endParaRPr i="1" dirty="0"/>
           </a:p>
           <a:p>
             <a:pPr marL="457200" lvl="0" indent="-317500" algn="l" rtl="0">
@@ -24274,10 +24300,10 @@
               <a:buAutoNum type="arabicPeriod" startAt="4"/>
             </a:pPr>
             <a:r>
-              <a:rPr lang="en"/>
+              <a:rPr lang="en" dirty="0"/>
               <a:t>Put the two pieces together</a:t>
             </a:r>
-            <a:endParaRPr/>
+            <a:endParaRPr dirty="0"/>
           </a:p>
         </p:txBody>
       </p:sp>
@@ -24335,7 +24361,7 @@
         </p:nvSpPr>
         <p:spPr>
           <a:xfrm>
-            <a:off x="564225" y="1554050"/>
+            <a:off x="564225" y="1631050"/>
             <a:ext cx="3999900" cy="2723100"/>
           </a:xfrm>
           <a:prstGeom prst="rect">

--- a/format-encodings/slide_presentations/.hidden/conversion-between-bases.pptx
+++ b/format-encodings/slide_presentations/.hidden/conversion-between-bases.pptx
@@ -7853,10 +7853,10 @@
               <a:buAutoNum type="arabicPeriod" startAt="2"/>
             </a:pPr>
             <a:r>
-              <a:rPr lang="en"/>
+              <a:rPr lang="en" dirty="0"/>
               <a:t>With the whole part, </a:t>
             </a:r>
-            <a:endParaRPr/>
+            <a:endParaRPr dirty="0"/>
           </a:p>
           <a:p>
             <a:pPr marL="457200" lvl="0" indent="0" algn="l" rtl="0">
@@ -7872,7 +7872,7 @@
               <a:buNone/>
             </a:pPr>
             <a:r>
-              <a:rPr lang="en">
+              <a:rPr lang="en" dirty="0">
                 <a:latin typeface="Source Code Pro"/>
                 <a:ea typeface="Source Code Pro"/>
                 <a:cs typeface="Source Code Pro"/>
@@ -7881,7 +7881,7 @@
               <a:t>number = whole</a:t>
             </a:r>
             <a:br>
-              <a:rPr lang="en">
+              <a:rPr lang="en" dirty="0">
                 <a:latin typeface="Source Code Pro"/>
                 <a:ea typeface="Source Code Pro"/>
                 <a:cs typeface="Source Code Pro"/>
@@ -7889,7 +7889,7 @@
               </a:rPr>
             </a:br>
             <a:r>
-              <a:rPr lang="en">
+              <a:rPr lang="en" dirty="0">
                 <a:latin typeface="Source Code Pro"/>
                 <a:ea typeface="Source Code Pro"/>
                 <a:cs typeface="Source Code Pro"/>
@@ -7898,7 +7898,7 @@
               <a:t>while (number != 0 ){</a:t>
             </a:r>
             <a:br>
-              <a:rPr lang="en">
+              <a:rPr lang="en" dirty="0">
                 <a:latin typeface="Source Code Pro"/>
                 <a:ea typeface="Source Code Pro"/>
                 <a:cs typeface="Source Code Pro"/>
@@ -7906,16 +7906,16 @@
               </a:rPr>
             </a:br>
             <a:r>
-              <a:rPr lang="en">
+              <a:rPr lang="en" dirty="0">
                 <a:latin typeface="Source Code Pro"/>
                 <a:ea typeface="Source Code Pro"/>
                 <a:cs typeface="Source Code Pro"/>
                 <a:sym typeface="Source Code Pro"/>
               </a:rPr>
-              <a:t>    number = number / 2  </a:t>
+              <a:t> 	push ( number % 2 ) </a:t>
             </a:r>
             <a:br>
-              <a:rPr lang="en">
+              <a:rPr lang="en" dirty="0">
                 <a:latin typeface="Source Code Pro"/>
                 <a:ea typeface="Source Code Pro"/>
                 <a:cs typeface="Source Code Pro"/>
@@ -7923,16 +7923,16 @@
               </a:rPr>
             </a:br>
             <a:r>
-              <a:rPr lang="en">
+              <a:rPr lang="en" dirty="0">
                 <a:latin typeface="Source Code Pro"/>
                 <a:ea typeface="Source Code Pro"/>
                 <a:cs typeface="Source Code Pro"/>
                 <a:sym typeface="Source Code Pro"/>
               </a:rPr>
-              <a:t>    push ( number % 2 )</a:t>
+              <a:t>	number = number / 2  </a:t>
             </a:r>
             <a:br>
-              <a:rPr lang="en">
+              <a:rPr lang="en" dirty="0">
                 <a:latin typeface="Source Code Pro"/>
                 <a:ea typeface="Source Code Pro"/>
                 <a:cs typeface="Source Code Pro"/>
@@ -7940,7 +7940,7 @@
               </a:rPr>
             </a:br>
             <a:r>
-              <a:rPr lang="en">
+              <a:rPr lang="en" dirty="0">
                 <a:latin typeface="Source Code Pro"/>
                 <a:ea typeface="Source Code Pro"/>
                 <a:cs typeface="Source Code Pro"/>
@@ -7949,7 +7949,7 @@
               <a:t>}</a:t>
             </a:r>
             <a:br>
-              <a:rPr lang="en">
+              <a:rPr lang="en" dirty="0">
                 <a:latin typeface="Source Code Pro"/>
                 <a:ea typeface="Source Code Pro"/>
                 <a:cs typeface="Source Code Pro"/>
@@ -7957,15 +7957,24 @@
               </a:rPr>
             </a:br>
             <a:r>
-              <a:rPr lang="en">
+              <a:rPr lang="en" dirty="0" err="1">
                 <a:latin typeface="Source Code Pro"/>
                 <a:ea typeface="Source Code Pro"/>
                 <a:cs typeface="Source Code Pro"/>
                 <a:sym typeface="Source Code Pro"/>
               </a:rPr>
-              <a:t>pop_all();</a:t>
-            </a:r>
-            <a:endParaRPr>
+              <a:t>pop_all</a:t>
+            </a:r>
+            <a:r>
+              <a:rPr lang="en" dirty="0">
+                <a:latin typeface="Source Code Pro"/>
+                <a:ea typeface="Source Code Pro"/>
+                <a:cs typeface="Source Code Pro"/>
+                <a:sym typeface="Source Code Pro"/>
+              </a:rPr>
+              <a:t>();</a:t>
+            </a:r>
+            <a:endParaRPr dirty="0">
               <a:latin typeface="Source Code Pro"/>
               <a:ea typeface="Source Code Pro"/>
               <a:cs typeface="Source Code Pro"/>
@@ -7985,7 +7994,7 @@
               </a:spcAft>
               <a:buNone/>
             </a:pPr>
-            <a:endParaRPr/>
+            <a:endParaRPr dirty="0"/>
           </a:p>
         </p:txBody>
       </p:sp>
@@ -8537,7 +8546,7 @@
                 <a:cs typeface="Source Code Pro"/>
                 <a:sym typeface="Source Code Pro"/>
               </a:rPr>
-              <a:t>    number = number / 2;  </a:t>
+              <a:t>	push ( number % 2 ) </a:t>
             </a:r>
             <a:br>
               <a:rPr lang="en" dirty="0">
@@ -8554,7 +8563,7 @@
                 <a:cs typeface="Source Code Pro"/>
                 <a:sym typeface="Source Code Pro"/>
               </a:rPr>
-              <a:t>    push ( number % 2 );</a:t>
+              <a:t>	number = number / 2;</a:t>
             </a:r>
             <a:br>
               <a:rPr lang="en" dirty="0">
@@ -10006,30 +10015,48 @@
               </a:rPr>
             </a:br>
             <a:r>
+              <a:rPr lang="en">
+                <a:latin typeface="Source Code Pro"/>
+                <a:ea typeface="Source Code Pro"/>
+                <a:cs typeface="Source Code Pro"/>
+                <a:sym typeface="Source Code Pro"/>
+              </a:rPr>
+              <a:t> 	push ( number % 2 );</a:t>
+            </a:r>
+            <a:br>
+              <a:rPr lang="en">
+                <a:latin typeface="Source Code Pro"/>
+                <a:ea typeface="Source Code Pro"/>
+                <a:cs typeface="Source Code Pro"/>
+                <a:sym typeface="Source Code Pro"/>
+              </a:rPr>
+            </a:br>
+            <a:r>
+              <a:rPr lang="en">
+                <a:latin typeface="Source Code Pro"/>
+                <a:ea typeface="Source Code Pro"/>
+                <a:cs typeface="Source Code Pro"/>
+                <a:sym typeface="Source Code Pro"/>
+              </a:rPr>
+              <a:t>	number </a:t>
+            </a:r>
+            <a:r>
               <a:rPr lang="en" dirty="0">
                 <a:latin typeface="Source Code Pro"/>
                 <a:ea typeface="Source Code Pro"/>
                 <a:cs typeface="Source Code Pro"/>
                 <a:sym typeface="Source Code Pro"/>
               </a:rPr>
-              <a:t>    number = number / 2;  </a:t>
-            </a:r>
-            <a:br>
-              <a:rPr lang="en" dirty="0">
+              <a:t>= number / </a:t>
+            </a:r>
+            <a:r>
+              <a:rPr lang="en">
                 <a:latin typeface="Source Code Pro"/>
                 <a:ea typeface="Source Code Pro"/>
                 <a:cs typeface="Source Code Pro"/>
                 <a:sym typeface="Source Code Pro"/>
               </a:rPr>
-            </a:br>
-            <a:r>
-              <a:rPr lang="en" dirty="0">
-                <a:latin typeface="Source Code Pro"/>
-                <a:ea typeface="Source Code Pro"/>
-                <a:cs typeface="Source Code Pro"/>
-                <a:sym typeface="Source Code Pro"/>
-              </a:rPr>
-              <a:t>    push ( number % 2 );</a:t>
+              <a:t>2;</a:t>
             </a:r>
             <a:br>
               <a:rPr lang="en" dirty="0">
@@ -22747,7 +22774,7 @@
                 <a:cs typeface="Source Code Pro"/>
                 <a:sym typeface="Source Code Pro"/>
               </a:rPr>
-              <a:t>    number = number / 2;  </a:t>
+              <a:t>    push ( number % 2 ); </a:t>
             </a:r>
             <a:br>
               <a:rPr lang="en" dirty="0">
@@ -22764,7 +22791,7 @@
                 <a:cs typeface="Source Code Pro"/>
                 <a:sym typeface="Source Code Pro"/>
               </a:rPr>
-              <a:t>    push ( number % 2 );</a:t>
+              <a:t>    number = number / 2;</a:t>
             </a:r>
             <a:br>
               <a:rPr lang="en" dirty="0">
@@ -23782,10 +23809,10 @@
               <a:buAutoNum type="arabicPeriod" startAt="2"/>
             </a:pPr>
             <a:r>
-              <a:rPr lang="en"/>
+              <a:rPr lang="en" dirty="0"/>
               <a:t>With the whole part, </a:t>
             </a:r>
-            <a:endParaRPr/>
+            <a:endParaRPr dirty="0"/>
           </a:p>
           <a:p>
             <a:pPr marL="457200" lvl="0" indent="0" algn="l" rtl="0">
@@ -23801,7 +23828,7 @@
               <a:buNone/>
             </a:pPr>
             <a:r>
-              <a:rPr lang="en">
+              <a:rPr lang="en" dirty="0">
                 <a:latin typeface="Source Code Pro"/>
                 <a:ea typeface="Source Code Pro"/>
                 <a:cs typeface="Source Code Pro"/>
@@ -23810,7 +23837,7 @@
               <a:t>number = whole</a:t>
             </a:r>
             <a:br>
-              <a:rPr lang="en">
+              <a:rPr lang="en" dirty="0">
                 <a:latin typeface="Source Code Pro"/>
                 <a:ea typeface="Source Code Pro"/>
                 <a:cs typeface="Source Code Pro"/>
@@ -23818,7 +23845,7 @@
               </a:rPr>
             </a:br>
             <a:r>
-              <a:rPr lang="en">
+              <a:rPr lang="en" dirty="0">
                 <a:latin typeface="Source Code Pro"/>
                 <a:ea typeface="Source Code Pro"/>
                 <a:cs typeface="Source Code Pro"/>
@@ -23827,7 +23854,7 @@
               <a:t>while (number != 0 ){</a:t>
             </a:r>
             <a:br>
-              <a:rPr lang="en">
+              <a:rPr lang="en" dirty="0">
                 <a:latin typeface="Source Code Pro"/>
                 <a:ea typeface="Source Code Pro"/>
                 <a:cs typeface="Source Code Pro"/>
@@ -23835,16 +23862,16 @@
               </a:rPr>
             </a:br>
             <a:r>
-              <a:rPr lang="en">
+              <a:rPr lang="en" dirty="0">
                 <a:latin typeface="Source Code Pro"/>
                 <a:ea typeface="Source Code Pro"/>
                 <a:cs typeface="Source Code Pro"/>
                 <a:sym typeface="Source Code Pro"/>
               </a:rPr>
-              <a:t>    number = number / 2  </a:t>
+              <a:t> 	push ( number % 2 ) </a:t>
             </a:r>
             <a:br>
-              <a:rPr lang="en">
+              <a:rPr lang="en" dirty="0">
                 <a:latin typeface="Source Code Pro"/>
                 <a:ea typeface="Source Code Pro"/>
                 <a:cs typeface="Source Code Pro"/>
@@ -23852,16 +23879,16 @@
               </a:rPr>
             </a:br>
             <a:r>
-              <a:rPr lang="en">
+              <a:rPr lang="en" dirty="0">
                 <a:latin typeface="Source Code Pro"/>
                 <a:ea typeface="Source Code Pro"/>
                 <a:cs typeface="Source Code Pro"/>
                 <a:sym typeface="Source Code Pro"/>
               </a:rPr>
-              <a:t>    push ( number % 2 )</a:t>
+              <a:t>	number = number / 2 </a:t>
             </a:r>
             <a:br>
-              <a:rPr lang="en">
+              <a:rPr lang="en" dirty="0">
                 <a:latin typeface="Source Code Pro"/>
                 <a:ea typeface="Source Code Pro"/>
                 <a:cs typeface="Source Code Pro"/>
@@ -23869,7 +23896,7 @@
               </a:rPr>
             </a:br>
             <a:r>
-              <a:rPr lang="en">
+              <a:rPr lang="en" dirty="0">
                 <a:latin typeface="Source Code Pro"/>
                 <a:ea typeface="Source Code Pro"/>
                 <a:cs typeface="Source Code Pro"/>
@@ -23878,7 +23905,7 @@
               <a:t>}</a:t>
             </a:r>
             <a:br>
-              <a:rPr lang="en">
+              <a:rPr lang="en" dirty="0">
                 <a:latin typeface="Source Code Pro"/>
                 <a:ea typeface="Source Code Pro"/>
                 <a:cs typeface="Source Code Pro"/>
@@ -23886,15 +23913,24 @@
               </a:rPr>
             </a:br>
             <a:r>
-              <a:rPr lang="en">
+              <a:rPr lang="en" dirty="0" err="1">
                 <a:latin typeface="Source Code Pro"/>
                 <a:ea typeface="Source Code Pro"/>
                 <a:cs typeface="Source Code Pro"/>
                 <a:sym typeface="Source Code Pro"/>
               </a:rPr>
-              <a:t>pop_all();</a:t>
-            </a:r>
-            <a:endParaRPr>
+              <a:t>pop_all</a:t>
+            </a:r>
+            <a:r>
+              <a:rPr lang="en" dirty="0">
+                <a:latin typeface="Source Code Pro"/>
+                <a:ea typeface="Source Code Pro"/>
+                <a:cs typeface="Source Code Pro"/>
+                <a:sym typeface="Source Code Pro"/>
+              </a:rPr>
+              <a:t>();</a:t>
+            </a:r>
+            <a:endParaRPr dirty="0">
               <a:latin typeface="Source Code Pro"/>
               <a:ea typeface="Source Code Pro"/>
               <a:cs typeface="Source Code Pro"/>
@@ -23914,7 +23950,7 @@
               </a:spcAft>
               <a:buNone/>
             </a:pPr>
-            <a:endParaRPr/>
+            <a:endParaRPr dirty="0"/>
           </a:p>
         </p:txBody>
       </p:sp>

--- a/format-encodings/slide_presentations/.hidden/conversion-between-bases.pptx
+++ b/format-encodings/slide_presentations/.hidden/conversion-between-bases.pptx
@@ -8150,7 +8150,7 @@
               </a:spcAft>
               <a:buNone/>
             </a:pPr>
-            <a:endParaRPr i="1" dirty="0"/>
+            <a:endParaRPr lang="en-US" i="1" dirty="0"/>
           </a:p>
           <a:p>
             <a:pPr marL="0" lvl="0" indent="0" algn="l" rtl="0">
@@ -8563,7 +8563,7 @@
                 <a:cs typeface="Source Code Pro"/>
                 <a:sym typeface="Source Code Pro"/>
               </a:rPr>
-              <a:t>	number = number / 2;</a:t>
+              <a:t>	number = number / 2</a:t>
             </a:r>
             <a:br>
               <a:rPr lang="en" dirty="0">
@@ -10015,16 +10015,16 @@
               </a:rPr>
             </a:br>
             <a:r>
-              <a:rPr lang="en">
+              <a:rPr lang="en" dirty="0">
                 <a:latin typeface="Source Code Pro"/>
                 <a:ea typeface="Source Code Pro"/>
                 <a:cs typeface="Source Code Pro"/>
                 <a:sym typeface="Source Code Pro"/>
               </a:rPr>
-              <a:t> 	push ( number % 2 );</a:t>
+              <a:t> 	push ( number % 2 )</a:t>
             </a:r>
             <a:br>
-              <a:rPr lang="en">
+              <a:rPr lang="en" dirty="0">
                 <a:latin typeface="Source Code Pro"/>
                 <a:ea typeface="Source Code Pro"/>
                 <a:cs typeface="Source Code Pro"/>
@@ -10032,31 +10032,13 @@
               </a:rPr>
             </a:br>
             <a:r>
-              <a:rPr lang="en">
-                <a:latin typeface="Source Code Pro"/>
-                <a:ea typeface="Source Code Pro"/>
-                <a:cs typeface="Source Code Pro"/>
-                <a:sym typeface="Source Code Pro"/>
-              </a:rPr>
-              <a:t>	number </a:t>
-            </a:r>
-            <a:r>
               <a:rPr lang="en" dirty="0">
                 <a:latin typeface="Source Code Pro"/>
                 <a:ea typeface="Source Code Pro"/>
                 <a:cs typeface="Source Code Pro"/>
                 <a:sym typeface="Source Code Pro"/>
               </a:rPr>
-              <a:t>= number / </a:t>
-            </a:r>
-            <a:r>
-              <a:rPr lang="en">
-                <a:latin typeface="Source Code Pro"/>
-                <a:ea typeface="Source Code Pro"/>
-                <a:cs typeface="Source Code Pro"/>
-                <a:sym typeface="Source Code Pro"/>
-              </a:rPr>
-              <a:t>2;</a:t>
+              <a:t>	number = number / 2</a:t>
             </a:r>
             <a:br>
               <a:rPr lang="en" dirty="0">
@@ -22774,7 +22756,16 @@
                 <a:cs typeface="Source Code Pro"/>
                 <a:sym typeface="Source Code Pro"/>
               </a:rPr>
-              <a:t>    push ( number % 2 ); </a:t>
+              <a:t>    push ( number % </a:t>
+            </a:r>
+            <a:r>
+              <a:rPr lang="en">
+                <a:latin typeface="Source Code Pro"/>
+                <a:ea typeface="Source Code Pro"/>
+                <a:cs typeface="Source Code Pro"/>
+                <a:sym typeface="Source Code Pro"/>
+              </a:rPr>
+              <a:t>2 ) </a:t>
             </a:r>
             <a:br>
               <a:rPr lang="en" dirty="0">
@@ -22791,7 +22782,16 @@
                 <a:cs typeface="Source Code Pro"/>
                 <a:sym typeface="Source Code Pro"/>
               </a:rPr>
-              <a:t>    number = number / 2;</a:t>
+              <a:t>    number = number </a:t>
+            </a:r>
+            <a:r>
+              <a:rPr lang="en">
+                <a:latin typeface="Source Code Pro"/>
+                <a:ea typeface="Source Code Pro"/>
+                <a:cs typeface="Source Code Pro"/>
+                <a:sym typeface="Source Code Pro"/>
+              </a:rPr>
+              <a:t>/ 2</a:t>
             </a:r>
             <a:br>
               <a:rPr lang="en" dirty="0">
